--- a/ADT_Project_System_Design_v1.0.pptx
+++ b/ADT_Project_System_Design_v1.0.pptx
@@ -16,7 +16,6 @@
     <p:sldId id="266" r:id="rId10"/>
     <p:sldId id="267" r:id="rId11"/>
     <p:sldId id="268" r:id="rId12"/>
-    <p:sldId id="269" r:id="rId13"/>
   </p:sldIdLst>
   <p:sldSz cx="12192000" cy="6858000"/>
   <p:notesSz cx="6858000" cy="9144000"/>
@@ -270,7 +269,7 @@
           <a:p>
             <a:fld id="{37E71E68-A021-4B42-8C40-0F9D6114BEAB}" type="datetimeFigureOut">
               <a:rPr lang="en-US" smtClean="0"/>
-              <a:t>4/19/25</a:t>
+              <a:t>4/21/25</a:t>
             </a:fld>
             <a:endParaRPr lang="en-US"/>
           </a:p>
@@ -468,7 +467,7 @@
           <a:p>
             <a:fld id="{37E71E68-A021-4B42-8C40-0F9D6114BEAB}" type="datetimeFigureOut">
               <a:rPr lang="en-US" smtClean="0"/>
-              <a:t>4/19/25</a:t>
+              <a:t>4/21/25</a:t>
             </a:fld>
             <a:endParaRPr lang="en-US"/>
           </a:p>
@@ -676,7 +675,7 @@
           <a:p>
             <a:fld id="{37E71E68-A021-4B42-8C40-0F9D6114BEAB}" type="datetimeFigureOut">
               <a:rPr lang="en-US" smtClean="0"/>
-              <a:t>4/19/25</a:t>
+              <a:t>4/21/25</a:t>
             </a:fld>
             <a:endParaRPr lang="en-US"/>
           </a:p>
@@ -874,7 +873,7 @@
           <a:p>
             <a:fld id="{37E71E68-A021-4B42-8C40-0F9D6114BEAB}" type="datetimeFigureOut">
               <a:rPr lang="en-US" smtClean="0"/>
-              <a:t>4/19/25</a:t>
+              <a:t>4/21/25</a:t>
             </a:fld>
             <a:endParaRPr lang="en-US"/>
           </a:p>
@@ -1149,7 +1148,7 @@
           <a:p>
             <a:fld id="{37E71E68-A021-4B42-8C40-0F9D6114BEAB}" type="datetimeFigureOut">
               <a:rPr lang="en-US" smtClean="0"/>
-              <a:t>4/19/25</a:t>
+              <a:t>4/21/25</a:t>
             </a:fld>
             <a:endParaRPr lang="en-US"/>
           </a:p>
@@ -1414,7 +1413,7 @@
           <a:p>
             <a:fld id="{37E71E68-A021-4B42-8C40-0F9D6114BEAB}" type="datetimeFigureOut">
               <a:rPr lang="en-US" smtClean="0"/>
-              <a:t>4/19/25</a:t>
+              <a:t>4/21/25</a:t>
             </a:fld>
             <a:endParaRPr lang="en-US"/>
           </a:p>
@@ -1826,7 +1825,7 @@
           <a:p>
             <a:fld id="{37E71E68-A021-4B42-8C40-0F9D6114BEAB}" type="datetimeFigureOut">
               <a:rPr lang="en-US" smtClean="0"/>
-              <a:t>4/19/25</a:t>
+              <a:t>4/21/25</a:t>
             </a:fld>
             <a:endParaRPr lang="en-US"/>
           </a:p>
@@ -1967,7 +1966,7 @@
           <a:p>
             <a:fld id="{37E71E68-A021-4B42-8C40-0F9D6114BEAB}" type="datetimeFigureOut">
               <a:rPr lang="en-US" smtClean="0"/>
-              <a:t>4/19/25</a:t>
+              <a:t>4/21/25</a:t>
             </a:fld>
             <a:endParaRPr lang="en-US"/>
           </a:p>
@@ -2080,7 +2079,7 @@
           <a:p>
             <a:fld id="{37E71E68-A021-4B42-8C40-0F9D6114BEAB}" type="datetimeFigureOut">
               <a:rPr lang="en-US" smtClean="0"/>
-              <a:t>4/19/25</a:t>
+              <a:t>4/21/25</a:t>
             </a:fld>
             <a:endParaRPr lang="en-US"/>
           </a:p>
@@ -2391,7 +2390,7 @@
           <a:p>
             <a:fld id="{37E71E68-A021-4B42-8C40-0F9D6114BEAB}" type="datetimeFigureOut">
               <a:rPr lang="en-US" smtClean="0"/>
-              <a:t>4/19/25</a:t>
+              <a:t>4/21/25</a:t>
             </a:fld>
             <a:endParaRPr lang="en-US"/>
           </a:p>
@@ -2679,7 +2678,7 @@
           <a:p>
             <a:fld id="{37E71E68-A021-4B42-8C40-0F9D6114BEAB}" type="datetimeFigureOut">
               <a:rPr lang="en-US" smtClean="0"/>
-              <a:t>4/19/25</a:t>
+              <a:t>4/21/25</a:t>
             </a:fld>
             <a:endParaRPr lang="en-US"/>
           </a:p>
@@ -2920,7 +2919,7 @@
           <a:p>
             <a:fld id="{37E71E68-A021-4B42-8C40-0F9D6114BEAB}" type="datetimeFigureOut">
               <a:rPr lang="en-US" smtClean="0"/>
-              <a:t>4/19/25</a:t>
+              <a:t>4/21/25</a:t>
             </a:fld>
             <a:endParaRPr lang="en-US"/>
           </a:p>
@@ -3513,7 +3512,7 @@
         </p:blipFill>
         <p:spPr>
           <a:xfrm>
-            <a:off x="1842248" y="1877133"/>
+            <a:off x="1608332" y="1989260"/>
             <a:ext cx="5943600" cy="1990165"/>
           </a:xfrm>
           <a:prstGeom prst="rect">
@@ -4247,36 +4246,6 @@
     <p:extLst>
       <p:ext uri="{BB962C8B-B14F-4D97-AF65-F5344CB8AC3E}">
         <p14:creationId xmlns:p14="http://schemas.microsoft.com/office/powerpoint/2010/main" val="2810162905"/>
-      </p:ext>
-    </p:extLst>
-  </p:cSld>
-  <p:clrMapOvr>
-    <a:masterClrMapping/>
-  </p:clrMapOvr>
-</p:sld>
-</file>
-
-<file path=ppt/slides/slide12.xml><?xml version="1.0" encoding="utf-8"?>
-<p:sld xmlns:a="http://schemas.openxmlformats.org/drawingml/2006/main" xmlns:r="http://schemas.openxmlformats.org/officeDocument/2006/relationships" xmlns:p="http://schemas.openxmlformats.org/presentationml/2006/main">
-  <p:cSld>
-    <p:spTree>
-      <p:nvGrpSpPr>
-        <p:cNvPr id="1" name=""/>
-        <p:cNvGrpSpPr/>
-        <p:nvPr/>
-      </p:nvGrpSpPr>
-      <p:grpSpPr>
-        <a:xfrm>
-          <a:off x="0" y="0"/>
-          <a:ext cx="0" cy="0"/>
-          <a:chOff x="0" y="0"/>
-          <a:chExt cx="0" cy="0"/>
-        </a:xfrm>
-      </p:grpSpPr>
-    </p:spTree>
-    <p:extLst>
-      <p:ext uri="{BB962C8B-B14F-4D97-AF65-F5344CB8AC3E}">
-        <p14:creationId xmlns:p14="http://schemas.microsoft.com/office/powerpoint/2010/main" val="1795872520"/>
       </p:ext>
     </p:extLst>
   </p:cSld>
